--- a/Presentation1.pptx
+++ b/Presentation1.pptx
@@ -251,7 +251,7 @@
           <a:p>
             <a:fld id="{8D3FCB40-9618-4221-8DB4-EF568AC9C74F}" type="datetimeFigureOut">
               <a:rPr lang="en-US" smtClean="0"/>
-              <a:t>11/5/2020</a:t>
+              <a:t>11/9/2020</a:t>
             </a:fld>
             <a:endParaRPr lang="en-US"/>
           </a:p>
@@ -421,7 +421,7 @@
           <a:p>
             <a:fld id="{8D3FCB40-9618-4221-8DB4-EF568AC9C74F}" type="datetimeFigureOut">
               <a:rPr lang="en-US" smtClean="0"/>
-              <a:t>11/5/2020</a:t>
+              <a:t>11/9/2020</a:t>
             </a:fld>
             <a:endParaRPr lang="en-US"/>
           </a:p>
@@ -601,7 +601,7 @@
           <a:p>
             <a:fld id="{8D3FCB40-9618-4221-8DB4-EF568AC9C74F}" type="datetimeFigureOut">
               <a:rPr lang="en-US" smtClean="0"/>
-              <a:t>11/5/2020</a:t>
+              <a:t>11/9/2020</a:t>
             </a:fld>
             <a:endParaRPr lang="en-US"/>
           </a:p>
@@ -771,7 +771,7 @@
           <a:p>
             <a:fld id="{8D3FCB40-9618-4221-8DB4-EF568AC9C74F}" type="datetimeFigureOut">
               <a:rPr lang="en-US" smtClean="0"/>
-              <a:t>11/5/2020</a:t>
+              <a:t>11/9/2020</a:t>
             </a:fld>
             <a:endParaRPr lang="en-US"/>
           </a:p>
@@ -1017,7 +1017,7 @@
           <a:p>
             <a:fld id="{8D3FCB40-9618-4221-8DB4-EF568AC9C74F}" type="datetimeFigureOut">
               <a:rPr lang="en-US" smtClean="0"/>
-              <a:t>11/5/2020</a:t>
+              <a:t>11/9/2020</a:t>
             </a:fld>
             <a:endParaRPr lang="en-US"/>
           </a:p>
@@ -1249,7 +1249,7 @@
           <a:p>
             <a:fld id="{8D3FCB40-9618-4221-8DB4-EF568AC9C74F}" type="datetimeFigureOut">
               <a:rPr lang="en-US" smtClean="0"/>
-              <a:t>11/5/2020</a:t>
+              <a:t>11/9/2020</a:t>
             </a:fld>
             <a:endParaRPr lang="en-US"/>
           </a:p>
@@ -1616,7 +1616,7 @@
           <a:p>
             <a:fld id="{8D3FCB40-9618-4221-8DB4-EF568AC9C74F}" type="datetimeFigureOut">
               <a:rPr lang="en-US" smtClean="0"/>
-              <a:t>11/5/2020</a:t>
+              <a:t>11/9/2020</a:t>
             </a:fld>
             <a:endParaRPr lang="en-US"/>
           </a:p>
@@ -1734,7 +1734,7 @@
           <a:p>
             <a:fld id="{8D3FCB40-9618-4221-8DB4-EF568AC9C74F}" type="datetimeFigureOut">
               <a:rPr lang="en-US" smtClean="0"/>
-              <a:t>11/5/2020</a:t>
+              <a:t>11/9/2020</a:t>
             </a:fld>
             <a:endParaRPr lang="en-US"/>
           </a:p>
@@ -1829,7 +1829,7 @@
           <a:p>
             <a:fld id="{8D3FCB40-9618-4221-8DB4-EF568AC9C74F}" type="datetimeFigureOut">
               <a:rPr lang="en-US" smtClean="0"/>
-              <a:t>11/5/2020</a:t>
+              <a:t>11/9/2020</a:t>
             </a:fld>
             <a:endParaRPr lang="en-US"/>
           </a:p>
@@ -2106,7 +2106,7 @@
           <a:p>
             <a:fld id="{8D3FCB40-9618-4221-8DB4-EF568AC9C74F}" type="datetimeFigureOut">
               <a:rPr lang="en-US" smtClean="0"/>
-              <a:t>11/5/2020</a:t>
+              <a:t>11/9/2020</a:t>
             </a:fld>
             <a:endParaRPr lang="en-US"/>
           </a:p>
@@ -2359,7 +2359,7 @@
           <a:p>
             <a:fld id="{8D3FCB40-9618-4221-8DB4-EF568AC9C74F}" type="datetimeFigureOut">
               <a:rPr lang="en-US" smtClean="0"/>
-              <a:t>11/5/2020</a:t>
+              <a:t>11/9/2020</a:t>
             </a:fld>
             <a:endParaRPr lang="en-US"/>
           </a:p>
@@ -2572,7 +2572,7 @@
           <a:p>
             <a:fld id="{8D3FCB40-9618-4221-8DB4-EF568AC9C74F}" type="datetimeFigureOut">
               <a:rPr lang="en-US" smtClean="0"/>
-              <a:t>11/5/2020</a:t>
+              <a:t>11/9/2020</a:t>
             </a:fld>
             <a:endParaRPr lang="en-US"/>
           </a:p>
@@ -2987,14 +2987,70 @@
             <p:ph type="title"/>
           </p:nvPr>
         </p:nvSpPr>
-        <p:spPr/>
-        <p:txBody>
-          <a:bodyPr/>
-          <a:lstStyle/>
+        <p:spPr>
+          <a:xfrm>
+            <a:off x="838200" y="365125"/>
+            <a:ext cx="2921000" cy="1325563"/>
+          </a:xfrm>
+        </p:spPr>
+        <p:txBody>
+          <a:bodyPr>
+            <a:normAutofit/>
+          </a:bodyPr>
+          <a:lstStyle/>
+          <a:p>
+            <a:r>
+              <a:rPr lang="en-US" sz="4800" b="1" dirty="0" smtClean="0"/>
+              <a:t>Work 2020</a:t>
+            </a:r>
+            <a:endParaRPr lang="en-US" sz="4800" b="1" dirty="0"/>
+          </a:p>
+        </p:txBody>
+      </p:sp>
+      <p:sp>
+        <p:nvSpPr>
+          <p:cNvPr id="4" name="Title 1"/>
+          <p:cNvSpPr txBox="1">
+            <a:spLocks/>
+          </p:cNvSpPr>
+          <p:nvPr/>
+        </p:nvSpPr>
+        <p:spPr>
+          <a:xfrm>
+            <a:off x="1549400" y="2841625"/>
+            <a:ext cx="10515600" cy="1325563"/>
+          </a:xfrm>
+          <a:prstGeom prst="rect">
+            <a:avLst/>
+          </a:prstGeom>
+        </p:spPr>
+        <p:txBody>
+          <a:bodyPr vert="horz" lIns="91440" tIns="45720" rIns="91440" bIns="45720" rtlCol="0" anchor="ctr">
+            <a:normAutofit/>
+          </a:bodyPr>
+          <a:lstStyle>
+            <a:lvl1pPr algn="l" defTabSz="914400" rtl="0" eaLnBrk="1" latinLnBrk="0" hangingPunct="1">
+              <a:lnSpc>
+                <a:spcPct val="90000"/>
+              </a:lnSpc>
+              <a:spcBef>
+                <a:spcPct val="0"/>
+              </a:spcBef>
+              <a:buNone/>
+              <a:defRPr sz="4400" kern="1200">
+                <a:solidFill>
+                  <a:schemeClr val="tx1"/>
+                </a:solidFill>
+                <a:latin typeface="+mj-lt"/>
+                <a:ea typeface="+mj-ea"/>
+                <a:cs typeface="+mj-cs"/>
+              </a:defRPr>
+            </a:lvl1pPr>
+          </a:lstStyle>
           <a:p>
             <a:r>
               <a:rPr lang="en-US" dirty="0" smtClean="0"/>
-              <a:t>Work 2020</a:t>
+              <a:t>CANON PRACHINBURI (THAILAND) LTD.</a:t>
             </a:r>
             <a:endParaRPr lang="en-US" dirty="0"/>
           </a:p>
@@ -3002,20 +3058,50 @@
       </p:sp>
       <p:sp>
         <p:nvSpPr>
-          <p:cNvPr id="3" name="Content Placeholder 2"/>
-          <p:cNvSpPr>
-            <a:spLocks noGrp="1"/>
+          <p:cNvPr id="6" name="Title 1"/>
+          <p:cNvSpPr txBox="1">
+            <a:spLocks/>
           </p:cNvSpPr>
-          <p:nvPr>
-            <p:ph idx="1"/>
-          </p:nvPr>
-        </p:nvSpPr>
-        <p:spPr/>
-        <p:txBody>
-          <a:bodyPr/>
-          <a:lstStyle/>
-          <a:p>
-            <a:endParaRPr lang="en-US" dirty="0"/>
+          <p:nvPr/>
+        </p:nvSpPr>
+        <p:spPr>
+          <a:xfrm>
+            <a:off x="8585200" y="6007100"/>
+            <a:ext cx="3606800" cy="1066800"/>
+          </a:xfrm>
+          <a:prstGeom prst="rect">
+            <a:avLst/>
+          </a:prstGeom>
+        </p:spPr>
+        <p:txBody>
+          <a:bodyPr vert="horz" lIns="91440" tIns="45720" rIns="91440" bIns="45720" rtlCol="0" anchor="ctr">
+            <a:normAutofit/>
+          </a:bodyPr>
+          <a:lstStyle>
+            <a:lvl1pPr algn="l" defTabSz="914400" rtl="0" eaLnBrk="1" latinLnBrk="0" hangingPunct="1">
+              <a:lnSpc>
+                <a:spcPct val="90000"/>
+              </a:lnSpc>
+              <a:spcBef>
+                <a:spcPct val="0"/>
+              </a:spcBef>
+              <a:buNone/>
+              <a:defRPr sz="4400" kern="1200">
+                <a:solidFill>
+                  <a:schemeClr val="tx1"/>
+                </a:solidFill>
+                <a:latin typeface="+mj-lt"/>
+                <a:ea typeface="+mj-ea"/>
+                <a:cs typeface="+mj-cs"/>
+              </a:defRPr>
+            </a:lvl1pPr>
+          </a:lstStyle>
+          <a:p>
+            <a:r>
+              <a:rPr lang="en-US" sz="3200" dirty="0" smtClean="0"/>
+              <a:t>By Natirut Duangpak</a:t>
+            </a:r>
+            <a:endParaRPr lang="en-US" sz="3200" dirty="0"/>
           </a:p>
         </p:txBody>
       </p:sp>
@@ -3381,11 +3467,7 @@
                     <a:p>
                       <a:r>
                         <a:rPr lang="en-US" baseline="0" dirty="0" smtClean="0"/>
-                        <a:t>(</a:t>
-                      </a:r>
-                      <a:r>
-                        <a:rPr lang="en-US" baseline="0" dirty="0" smtClean="0"/>
-                        <a:t>macro)</a:t>
+                        <a:t>(macro)</a:t>
                       </a:r>
                       <a:endParaRPr lang="en-US" dirty="0"/>
                     </a:p>
@@ -4854,20 +4936,309 @@
       </p:sp>
       <p:sp>
         <p:nvSpPr>
-          <p:cNvPr id="3" name="Content Placeholder 2"/>
-          <p:cNvSpPr>
-            <a:spLocks noGrp="1"/>
-          </p:cNvSpPr>
-          <p:nvPr>
-            <p:ph idx="1"/>
-          </p:nvPr>
-        </p:nvSpPr>
-        <p:spPr/>
-        <p:txBody>
-          <a:bodyPr/>
-          <a:lstStyle/>
-          <a:p>
-            <a:endParaRPr lang="en-US"/>
+          <p:cNvPr id="4" name="Hexagon 3"/>
+          <p:cNvSpPr/>
+          <p:nvPr/>
+        </p:nvSpPr>
+        <p:spPr>
+          <a:xfrm>
+            <a:off x="241300" y="6146800"/>
+            <a:ext cx="2489200" cy="466834"/>
+          </a:xfrm>
+          <a:prstGeom prst="hexagon">
+            <a:avLst/>
+          </a:prstGeom>
+        </p:spPr>
+        <p:style>
+          <a:lnRef idx="2">
+            <a:schemeClr val="accent1">
+              <a:shade val="50000"/>
+            </a:schemeClr>
+          </a:lnRef>
+          <a:fillRef idx="1">
+            <a:schemeClr val="accent1"/>
+          </a:fillRef>
+          <a:effectRef idx="0">
+            <a:schemeClr val="accent1"/>
+          </a:effectRef>
+          <a:fontRef idx="minor">
+            <a:schemeClr val="lt1"/>
+          </a:fontRef>
+        </p:style>
+        <p:txBody>
+          <a:bodyPr rtlCol="0" anchor="ctr"/>
+          <a:lstStyle/>
+          <a:p>
+            <a:pPr algn="ctr"/>
+            <a:r>
+              <a:rPr lang="en-US" dirty="0" smtClean="0"/>
+              <a:t>Cover Payment</a:t>
+            </a:r>
+            <a:endParaRPr lang="en-US" dirty="0"/>
+          </a:p>
+        </p:txBody>
+      </p:sp>
+      <p:sp>
+        <p:nvSpPr>
+          <p:cNvPr id="11" name="Hexagon 10"/>
+          <p:cNvSpPr/>
+          <p:nvPr/>
+        </p:nvSpPr>
+        <p:spPr>
+          <a:xfrm>
+            <a:off x="2730500" y="5867400"/>
+            <a:ext cx="533400" cy="466834"/>
+          </a:xfrm>
+          <a:prstGeom prst="hexagon">
+            <a:avLst/>
+          </a:prstGeom>
+        </p:spPr>
+        <p:style>
+          <a:lnRef idx="2">
+            <a:schemeClr val="accent1">
+              <a:shade val="50000"/>
+            </a:schemeClr>
+          </a:lnRef>
+          <a:fillRef idx="1">
+            <a:schemeClr val="accent1"/>
+          </a:fillRef>
+          <a:effectRef idx="0">
+            <a:schemeClr val="accent1"/>
+          </a:effectRef>
+          <a:fontRef idx="minor">
+            <a:schemeClr val="lt1"/>
+          </a:fontRef>
+        </p:style>
+        <p:txBody>
+          <a:bodyPr rtlCol="0" anchor="ctr"/>
+          <a:lstStyle/>
+          <a:p>
+            <a:pPr algn="ctr"/>
+            <a:r>
+              <a:rPr lang="en-US" sz="1400" dirty="0" smtClean="0"/>
+              <a:t>02</a:t>
+            </a:r>
+            <a:endParaRPr lang="en-US" sz="1400" dirty="0"/>
+          </a:p>
+        </p:txBody>
+      </p:sp>
+      <p:sp>
+        <p:nvSpPr>
+          <p:cNvPr id="12" name="Hexagon 11"/>
+          <p:cNvSpPr/>
+          <p:nvPr/>
+        </p:nvSpPr>
+        <p:spPr>
+          <a:xfrm>
+            <a:off x="3216275" y="6177017"/>
+            <a:ext cx="533400" cy="466834"/>
+          </a:xfrm>
+          <a:prstGeom prst="hexagon">
+            <a:avLst/>
+          </a:prstGeom>
+        </p:spPr>
+        <p:style>
+          <a:lnRef idx="2">
+            <a:schemeClr val="accent1">
+              <a:shade val="50000"/>
+            </a:schemeClr>
+          </a:lnRef>
+          <a:fillRef idx="1">
+            <a:schemeClr val="accent1"/>
+          </a:fillRef>
+          <a:effectRef idx="0">
+            <a:schemeClr val="accent1"/>
+          </a:effectRef>
+          <a:fontRef idx="minor">
+            <a:schemeClr val="lt1"/>
+          </a:fontRef>
+        </p:style>
+        <p:txBody>
+          <a:bodyPr rtlCol="0" anchor="ctr"/>
+          <a:lstStyle/>
+          <a:p>
+            <a:pPr algn="ctr"/>
+            <a:r>
+              <a:rPr lang="en-US" sz="1400" dirty="0" smtClean="0"/>
+              <a:t>03</a:t>
+            </a:r>
+            <a:endParaRPr lang="en-US" sz="1400" dirty="0"/>
+          </a:p>
+        </p:txBody>
+      </p:sp>
+      <p:sp>
+        <p:nvSpPr>
+          <p:cNvPr id="13" name="Hexagon 12"/>
+          <p:cNvSpPr/>
+          <p:nvPr/>
+        </p:nvSpPr>
+        <p:spPr>
+          <a:xfrm>
+            <a:off x="3702050" y="5899150"/>
+            <a:ext cx="533400" cy="466834"/>
+          </a:xfrm>
+          <a:prstGeom prst="hexagon">
+            <a:avLst/>
+          </a:prstGeom>
+        </p:spPr>
+        <p:style>
+          <a:lnRef idx="2">
+            <a:schemeClr val="accent1">
+              <a:shade val="50000"/>
+            </a:schemeClr>
+          </a:lnRef>
+          <a:fillRef idx="1">
+            <a:schemeClr val="accent1"/>
+          </a:fillRef>
+          <a:effectRef idx="0">
+            <a:schemeClr val="accent1"/>
+          </a:effectRef>
+          <a:fontRef idx="minor">
+            <a:schemeClr val="lt1"/>
+          </a:fontRef>
+        </p:style>
+        <p:txBody>
+          <a:bodyPr rtlCol="0" anchor="ctr"/>
+          <a:lstStyle/>
+          <a:p>
+            <a:pPr algn="ctr"/>
+            <a:r>
+              <a:rPr lang="en-US" sz="1400" dirty="0" smtClean="0"/>
+              <a:t>04</a:t>
+            </a:r>
+            <a:endParaRPr lang="en-US" sz="1400" dirty="0"/>
+          </a:p>
+        </p:txBody>
+      </p:sp>
+      <p:sp>
+        <p:nvSpPr>
+          <p:cNvPr id="14" name="Hexagon 13"/>
+          <p:cNvSpPr/>
+          <p:nvPr/>
+        </p:nvSpPr>
+        <p:spPr>
+          <a:xfrm>
+            <a:off x="4187825" y="6177017"/>
+            <a:ext cx="533400" cy="466834"/>
+          </a:xfrm>
+          <a:prstGeom prst="hexagon">
+            <a:avLst/>
+          </a:prstGeom>
+        </p:spPr>
+        <p:style>
+          <a:lnRef idx="2">
+            <a:schemeClr val="accent1">
+              <a:shade val="50000"/>
+            </a:schemeClr>
+          </a:lnRef>
+          <a:fillRef idx="1">
+            <a:schemeClr val="accent1"/>
+          </a:fillRef>
+          <a:effectRef idx="0">
+            <a:schemeClr val="accent1"/>
+          </a:effectRef>
+          <a:fontRef idx="minor">
+            <a:schemeClr val="lt1"/>
+          </a:fontRef>
+        </p:style>
+        <p:txBody>
+          <a:bodyPr rtlCol="0" anchor="ctr"/>
+          <a:lstStyle/>
+          <a:p>
+            <a:pPr algn="ctr"/>
+            <a:r>
+              <a:rPr lang="en-US" sz="1400" dirty="0" smtClean="0"/>
+              <a:t>05</a:t>
+            </a:r>
+            <a:endParaRPr lang="en-US" sz="1400" dirty="0"/>
+          </a:p>
+        </p:txBody>
+      </p:sp>
+      <p:sp>
+        <p:nvSpPr>
+          <p:cNvPr id="15" name="Hexagon 14"/>
+          <p:cNvSpPr/>
+          <p:nvPr/>
+        </p:nvSpPr>
+        <p:spPr>
+          <a:xfrm>
+            <a:off x="4673600" y="5923017"/>
+            <a:ext cx="533400" cy="466834"/>
+          </a:xfrm>
+          <a:prstGeom prst="hexagon">
+            <a:avLst/>
+          </a:prstGeom>
+        </p:spPr>
+        <p:style>
+          <a:lnRef idx="2">
+            <a:schemeClr val="accent1">
+              <a:shade val="50000"/>
+            </a:schemeClr>
+          </a:lnRef>
+          <a:fillRef idx="1">
+            <a:schemeClr val="accent1"/>
+          </a:fillRef>
+          <a:effectRef idx="0">
+            <a:schemeClr val="accent1"/>
+          </a:effectRef>
+          <a:fontRef idx="minor">
+            <a:schemeClr val="lt1"/>
+          </a:fontRef>
+        </p:style>
+        <p:txBody>
+          <a:bodyPr rtlCol="0" anchor="ctr"/>
+          <a:lstStyle/>
+          <a:p>
+            <a:pPr algn="ctr"/>
+            <a:r>
+              <a:rPr lang="en-US" sz="1400" dirty="0" smtClean="0"/>
+              <a:t>06</a:t>
+            </a:r>
+            <a:endParaRPr lang="en-US" sz="1400" dirty="0"/>
+          </a:p>
+        </p:txBody>
+      </p:sp>
+      <p:sp>
+        <p:nvSpPr>
+          <p:cNvPr id="16" name="Hexagon 15"/>
+          <p:cNvSpPr/>
+          <p:nvPr/>
+        </p:nvSpPr>
+        <p:spPr>
+          <a:xfrm>
+            <a:off x="5156200" y="6177017"/>
+            <a:ext cx="533400" cy="466834"/>
+          </a:xfrm>
+          <a:prstGeom prst="hexagon">
+            <a:avLst/>
+          </a:prstGeom>
+        </p:spPr>
+        <p:style>
+          <a:lnRef idx="2">
+            <a:schemeClr val="accent1">
+              <a:shade val="50000"/>
+            </a:schemeClr>
+          </a:lnRef>
+          <a:fillRef idx="1">
+            <a:schemeClr val="accent1"/>
+          </a:fillRef>
+          <a:effectRef idx="0">
+            <a:schemeClr val="accent1"/>
+          </a:effectRef>
+          <a:fontRef idx="minor">
+            <a:schemeClr val="lt1"/>
+          </a:fontRef>
+        </p:style>
+        <p:txBody>
+          <a:bodyPr rtlCol="0" anchor="ctr"/>
+          <a:lstStyle/>
+          <a:p>
+            <a:pPr algn="ctr"/>
+            <a:r>
+              <a:rPr lang="en-US" sz="1400" dirty="0" smtClean="0"/>
+              <a:t>07</a:t>
+            </a:r>
+            <a:endParaRPr lang="en-US" sz="1400" dirty="0"/>
           </a:p>
         </p:txBody>
       </p:sp>
@@ -4948,20 +5319,313 @@
       </p:sp>
       <p:sp>
         <p:nvSpPr>
-          <p:cNvPr id="3" name="Content Placeholder 2"/>
-          <p:cNvSpPr>
-            <a:spLocks noGrp="1"/>
-          </p:cNvSpPr>
-          <p:nvPr>
-            <p:ph idx="1"/>
-          </p:nvPr>
-        </p:nvSpPr>
-        <p:spPr/>
-        <p:txBody>
-          <a:bodyPr/>
-          <a:lstStyle/>
-          <a:p>
-            <a:endParaRPr lang="en-US"/>
+          <p:cNvPr id="4" name="Hexagon 3"/>
+          <p:cNvSpPr/>
+          <p:nvPr/>
+        </p:nvSpPr>
+        <p:spPr>
+          <a:xfrm>
+            <a:off x="845344" y="5899150"/>
+            <a:ext cx="2489200" cy="466834"/>
+          </a:xfrm>
+          <a:prstGeom prst="hexagon">
+            <a:avLst/>
+          </a:prstGeom>
+        </p:spPr>
+        <p:style>
+          <a:lnRef idx="2">
+            <a:schemeClr val="accent1">
+              <a:shade val="50000"/>
+            </a:schemeClr>
+          </a:lnRef>
+          <a:fillRef idx="1">
+            <a:schemeClr val="accent1"/>
+          </a:fillRef>
+          <a:effectRef idx="0">
+            <a:schemeClr val="accent1"/>
+          </a:effectRef>
+          <a:fontRef idx="minor">
+            <a:schemeClr val="lt1"/>
+          </a:fontRef>
+        </p:style>
+        <p:txBody>
+          <a:bodyPr rtlCol="0" anchor="ctr"/>
+          <a:lstStyle/>
+          <a:p>
+            <a:pPr algn="ctr"/>
+            <a:r>
+              <a:rPr lang="en-US" sz="1600" dirty="0"/>
+              <a:t>PDC Daily </a:t>
+            </a:r>
+            <a:r>
+              <a:rPr lang="en-US" sz="1600" dirty="0" smtClean="0"/>
+              <a:t>Plan (Sum)</a:t>
+            </a:r>
+            <a:endParaRPr lang="en-US" sz="1600" dirty="0"/>
+          </a:p>
+        </p:txBody>
+      </p:sp>
+      <p:sp>
+        <p:nvSpPr>
+          <p:cNvPr id="5" name="Hexagon 4"/>
+          <p:cNvSpPr/>
+          <p:nvPr/>
+        </p:nvSpPr>
+        <p:spPr>
+          <a:xfrm>
+            <a:off x="347663" y="6132567"/>
+            <a:ext cx="533400" cy="466834"/>
+          </a:xfrm>
+          <a:prstGeom prst="hexagon">
+            <a:avLst/>
+          </a:prstGeom>
+        </p:spPr>
+        <p:style>
+          <a:lnRef idx="2">
+            <a:schemeClr val="accent1">
+              <a:shade val="50000"/>
+            </a:schemeClr>
+          </a:lnRef>
+          <a:fillRef idx="1">
+            <a:schemeClr val="accent1"/>
+          </a:fillRef>
+          <a:effectRef idx="0">
+            <a:schemeClr val="accent1"/>
+          </a:effectRef>
+          <a:fontRef idx="minor">
+            <a:schemeClr val="lt1"/>
+          </a:fontRef>
+        </p:style>
+        <p:txBody>
+          <a:bodyPr rtlCol="0" anchor="ctr"/>
+          <a:lstStyle/>
+          <a:p>
+            <a:pPr algn="ctr"/>
+            <a:r>
+              <a:rPr lang="en-US" sz="1400" dirty="0" smtClean="0"/>
+              <a:t>01</a:t>
+            </a:r>
+            <a:endParaRPr lang="en-US" sz="1400" dirty="0"/>
+          </a:p>
+        </p:txBody>
+      </p:sp>
+      <p:sp>
+        <p:nvSpPr>
+          <p:cNvPr id="6" name="Hexagon 5"/>
+          <p:cNvSpPr/>
+          <p:nvPr/>
+        </p:nvSpPr>
+        <p:spPr>
+          <a:xfrm>
+            <a:off x="3309144" y="6177017"/>
+            <a:ext cx="533400" cy="466834"/>
+          </a:xfrm>
+          <a:prstGeom prst="hexagon">
+            <a:avLst/>
+          </a:prstGeom>
+        </p:spPr>
+        <p:style>
+          <a:lnRef idx="2">
+            <a:schemeClr val="accent1">
+              <a:shade val="50000"/>
+            </a:schemeClr>
+          </a:lnRef>
+          <a:fillRef idx="1">
+            <a:schemeClr val="accent1"/>
+          </a:fillRef>
+          <a:effectRef idx="0">
+            <a:schemeClr val="accent1"/>
+          </a:effectRef>
+          <a:fontRef idx="minor">
+            <a:schemeClr val="lt1"/>
+          </a:fontRef>
+        </p:style>
+        <p:txBody>
+          <a:bodyPr rtlCol="0" anchor="ctr"/>
+          <a:lstStyle/>
+          <a:p>
+            <a:pPr algn="ctr"/>
+            <a:r>
+              <a:rPr lang="en-US" sz="1400" dirty="0" smtClean="0"/>
+              <a:t>03</a:t>
+            </a:r>
+            <a:endParaRPr lang="en-US" sz="1400" dirty="0"/>
+          </a:p>
+        </p:txBody>
+      </p:sp>
+      <p:sp>
+        <p:nvSpPr>
+          <p:cNvPr id="7" name="Hexagon 6"/>
+          <p:cNvSpPr/>
+          <p:nvPr/>
+        </p:nvSpPr>
+        <p:spPr>
+          <a:xfrm>
+            <a:off x="3793332" y="5916667"/>
+            <a:ext cx="533400" cy="466834"/>
+          </a:xfrm>
+          <a:prstGeom prst="hexagon">
+            <a:avLst/>
+          </a:prstGeom>
+        </p:spPr>
+        <p:style>
+          <a:lnRef idx="2">
+            <a:schemeClr val="accent1">
+              <a:shade val="50000"/>
+            </a:schemeClr>
+          </a:lnRef>
+          <a:fillRef idx="1">
+            <a:schemeClr val="accent1"/>
+          </a:fillRef>
+          <a:effectRef idx="0">
+            <a:schemeClr val="accent1"/>
+          </a:effectRef>
+          <a:fontRef idx="minor">
+            <a:schemeClr val="lt1"/>
+          </a:fontRef>
+        </p:style>
+        <p:txBody>
+          <a:bodyPr rtlCol="0" anchor="ctr"/>
+          <a:lstStyle/>
+          <a:p>
+            <a:pPr algn="ctr"/>
+            <a:r>
+              <a:rPr lang="en-US" sz="1400" dirty="0" smtClean="0"/>
+              <a:t>04</a:t>
+            </a:r>
+            <a:endParaRPr lang="en-US" sz="1400" dirty="0"/>
+          </a:p>
+        </p:txBody>
+      </p:sp>
+      <p:sp>
+        <p:nvSpPr>
+          <p:cNvPr id="8" name="Hexagon 7"/>
+          <p:cNvSpPr/>
+          <p:nvPr/>
+        </p:nvSpPr>
+        <p:spPr>
+          <a:xfrm>
+            <a:off x="4265612" y="6177017"/>
+            <a:ext cx="533400" cy="466834"/>
+          </a:xfrm>
+          <a:prstGeom prst="hexagon">
+            <a:avLst/>
+          </a:prstGeom>
+        </p:spPr>
+        <p:style>
+          <a:lnRef idx="2">
+            <a:schemeClr val="accent1">
+              <a:shade val="50000"/>
+            </a:schemeClr>
+          </a:lnRef>
+          <a:fillRef idx="1">
+            <a:schemeClr val="accent1"/>
+          </a:fillRef>
+          <a:effectRef idx="0">
+            <a:schemeClr val="accent1"/>
+          </a:effectRef>
+          <a:fontRef idx="minor">
+            <a:schemeClr val="lt1"/>
+          </a:fontRef>
+        </p:style>
+        <p:txBody>
+          <a:bodyPr rtlCol="0" anchor="ctr"/>
+          <a:lstStyle/>
+          <a:p>
+            <a:pPr algn="ctr"/>
+            <a:r>
+              <a:rPr lang="en-US" sz="1400" dirty="0" smtClean="0"/>
+              <a:t>05</a:t>
+            </a:r>
+            <a:endParaRPr lang="en-US" sz="1400" dirty="0"/>
+          </a:p>
+        </p:txBody>
+      </p:sp>
+      <p:sp>
+        <p:nvSpPr>
+          <p:cNvPr id="9" name="Hexagon 8"/>
+          <p:cNvSpPr/>
+          <p:nvPr/>
+        </p:nvSpPr>
+        <p:spPr>
+          <a:xfrm>
+            <a:off x="4749800" y="5916667"/>
+            <a:ext cx="533400" cy="466834"/>
+          </a:xfrm>
+          <a:prstGeom prst="hexagon">
+            <a:avLst/>
+          </a:prstGeom>
+        </p:spPr>
+        <p:style>
+          <a:lnRef idx="2">
+            <a:schemeClr val="accent1">
+              <a:shade val="50000"/>
+            </a:schemeClr>
+          </a:lnRef>
+          <a:fillRef idx="1">
+            <a:schemeClr val="accent1"/>
+          </a:fillRef>
+          <a:effectRef idx="0">
+            <a:schemeClr val="accent1"/>
+          </a:effectRef>
+          <a:fontRef idx="minor">
+            <a:schemeClr val="lt1"/>
+          </a:fontRef>
+        </p:style>
+        <p:txBody>
+          <a:bodyPr rtlCol="0" anchor="ctr"/>
+          <a:lstStyle/>
+          <a:p>
+            <a:pPr algn="ctr"/>
+            <a:r>
+              <a:rPr lang="en-US" sz="1400" dirty="0" smtClean="0"/>
+              <a:t>06</a:t>
+            </a:r>
+            <a:endParaRPr lang="en-US" sz="1400" dirty="0"/>
+          </a:p>
+        </p:txBody>
+      </p:sp>
+      <p:sp>
+        <p:nvSpPr>
+          <p:cNvPr id="10" name="Hexagon 9"/>
+          <p:cNvSpPr/>
+          <p:nvPr/>
+        </p:nvSpPr>
+        <p:spPr>
+          <a:xfrm>
+            <a:off x="5229225" y="6177017"/>
+            <a:ext cx="533400" cy="466834"/>
+          </a:xfrm>
+          <a:prstGeom prst="hexagon">
+            <a:avLst/>
+          </a:prstGeom>
+        </p:spPr>
+        <p:style>
+          <a:lnRef idx="2">
+            <a:schemeClr val="accent1">
+              <a:shade val="50000"/>
+            </a:schemeClr>
+          </a:lnRef>
+          <a:fillRef idx="1">
+            <a:schemeClr val="accent1"/>
+          </a:fillRef>
+          <a:effectRef idx="0">
+            <a:schemeClr val="accent1"/>
+          </a:effectRef>
+          <a:fontRef idx="minor">
+            <a:schemeClr val="lt1"/>
+          </a:fontRef>
+        </p:style>
+        <p:txBody>
+          <a:bodyPr rtlCol="0" anchor="ctr"/>
+          <a:lstStyle/>
+          <a:p>
+            <a:pPr algn="ctr"/>
+            <a:r>
+              <a:rPr lang="en-US" sz="1400" dirty="0" smtClean="0"/>
+              <a:t>07</a:t>
+            </a:r>
+            <a:endParaRPr lang="en-US" sz="1400" dirty="0"/>
           </a:p>
         </p:txBody>
       </p:sp>
@@ -5029,20 +5693,313 @@
       </p:sp>
       <p:sp>
         <p:nvSpPr>
-          <p:cNvPr id="3" name="Content Placeholder 2"/>
-          <p:cNvSpPr>
-            <a:spLocks noGrp="1"/>
-          </p:cNvSpPr>
-          <p:nvPr>
-            <p:ph idx="1"/>
-          </p:nvPr>
-        </p:nvSpPr>
-        <p:spPr/>
-        <p:txBody>
-          <a:bodyPr/>
-          <a:lstStyle/>
-          <a:p>
-            <a:endParaRPr lang="en-US"/>
+          <p:cNvPr id="4" name="Hexagon 3"/>
+          <p:cNvSpPr/>
+          <p:nvPr/>
+        </p:nvSpPr>
+        <p:spPr>
+          <a:xfrm>
+            <a:off x="1325761" y="6177017"/>
+            <a:ext cx="2489200" cy="466834"/>
+          </a:xfrm>
+          <a:prstGeom prst="hexagon">
+            <a:avLst/>
+          </a:prstGeom>
+        </p:spPr>
+        <p:style>
+          <a:lnRef idx="2">
+            <a:schemeClr val="accent1">
+              <a:shade val="50000"/>
+            </a:schemeClr>
+          </a:lnRef>
+          <a:fillRef idx="1">
+            <a:schemeClr val="accent1"/>
+          </a:fillRef>
+          <a:effectRef idx="0">
+            <a:schemeClr val="accent1"/>
+          </a:effectRef>
+          <a:fontRef idx="minor">
+            <a:schemeClr val="lt1"/>
+          </a:fontRef>
+        </p:style>
+        <p:txBody>
+          <a:bodyPr rtlCol="0" anchor="ctr"/>
+          <a:lstStyle/>
+          <a:p>
+            <a:pPr algn="ctr"/>
+            <a:r>
+              <a:rPr lang="en-US" sz="1600" dirty="0"/>
+              <a:t>PDC Daily </a:t>
+            </a:r>
+            <a:r>
+              <a:rPr lang="en-US" sz="1600" dirty="0" smtClean="0"/>
+              <a:t>Plan (Sum)</a:t>
+            </a:r>
+            <a:endParaRPr lang="en-US" sz="1600" dirty="0"/>
+          </a:p>
+        </p:txBody>
+      </p:sp>
+      <p:sp>
+        <p:nvSpPr>
+          <p:cNvPr id="5" name="Hexagon 4"/>
+          <p:cNvSpPr/>
+          <p:nvPr/>
+        </p:nvSpPr>
+        <p:spPr>
+          <a:xfrm>
+            <a:off x="347663" y="6132567"/>
+            <a:ext cx="533400" cy="466834"/>
+          </a:xfrm>
+          <a:prstGeom prst="hexagon">
+            <a:avLst/>
+          </a:prstGeom>
+        </p:spPr>
+        <p:style>
+          <a:lnRef idx="2">
+            <a:schemeClr val="accent1">
+              <a:shade val="50000"/>
+            </a:schemeClr>
+          </a:lnRef>
+          <a:fillRef idx="1">
+            <a:schemeClr val="accent1"/>
+          </a:fillRef>
+          <a:effectRef idx="0">
+            <a:schemeClr val="accent1"/>
+          </a:effectRef>
+          <a:fontRef idx="minor">
+            <a:schemeClr val="lt1"/>
+          </a:fontRef>
+        </p:style>
+        <p:txBody>
+          <a:bodyPr rtlCol="0" anchor="ctr"/>
+          <a:lstStyle/>
+          <a:p>
+            <a:pPr algn="ctr"/>
+            <a:r>
+              <a:rPr lang="en-US" sz="1400" dirty="0" smtClean="0"/>
+              <a:t>01</a:t>
+            </a:r>
+            <a:endParaRPr lang="en-US" sz="1400" dirty="0"/>
+          </a:p>
+        </p:txBody>
+      </p:sp>
+      <p:sp>
+        <p:nvSpPr>
+          <p:cNvPr id="6" name="Hexagon 5"/>
+          <p:cNvSpPr/>
+          <p:nvPr/>
+        </p:nvSpPr>
+        <p:spPr>
+          <a:xfrm>
+            <a:off x="837803" y="5878567"/>
+            <a:ext cx="533400" cy="466834"/>
+          </a:xfrm>
+          <a:prstGeom prst="hexagon">
+            <a:avLst/>
+          </a:prstGeom>
+        </p:spPr>
+        <p:style>
+          <a:lnRef idx="2">
+            <a:schemeClr val="accent1">
+              <a:shade val="50000"/>
+            </a:schemeClr>
+          </a:lnRef>
+          <a:fillRef idx="1">
+            <a:schemeClr val="accent1"/>
+          </a:fillRef>
+          <a:effectRef idx="0">
+            <a:schemeClr val="accent1"/>
+          </a:effectRef>
+          <a:fontRef idx="minor">
+            <a:schemeClr val="lt1"/>
+          </a:fontRef>
+        </p:style>
+        <p:txBody>
+          <a:bodyPr rtlCol="0" anchor="ctr"/>
+          <a:lstStyle/>
+          <a:p>
+            <a:pPr algn="ctr"/>
+            <a:r>
+              <a:rPr lang="en-US" sz="1400" dirty="0" smtClean="0"/>
+              <a:t>02</a:t>
+            </a:r>
+            <a:endParaRPr lang="en-US" sz="1400" dirty="0"/>
+          </a:p>
+        </p:txBody>
+      </p:sp>
+      <p:sp>
+        <p:nvSpPr>
+          <p:cNvPr id="7" name="Hexagon 6"/>
+          <p:cNvSpPr/>
+          <p:nvPr/>
+        </p:nvSpPr>
+        <p:spPr>
+          <a:xfrm>
+            <a:off x="3793332" y="5916667"/>
+            <a:ext cx="533400" cy="466834"/>
+          </a:xfrm>
+          <a:prstGeom prst="hexagon">
+            <a:avLst/>
+          </a:prstGeom>
+        </p:spPr>
+        <p:style>
+          <a:lnRef idx="2">
+            <a:schemeClr val="accent1">
+              <a:shade val="50000"/>
+            </a:schemeClr>
+          </a:lnRef>
+          <a:fillRef idx="1">
+            <a:schemeClr val="accent1"/>
+          </a:fillRef>
+          <a:effectRef idx="0">
+            <a:schemeClr val="accent1"/>
+          </a:effectRef>
+          <a:fontRef idx="minor">
+            <a:schemeClr val="lt1"/>
+          </a:fontRef>
+        </p:style>
+        <p:txBody>
+          <a:bodyPr rtlCol="0" anchor="ctr"/>
+          <a:lstStyle/>
+          <a:p>
+            <a:pPr algn="ctr"/>
+            <a:r>
+              <a:rPr lang="en-US" sz="1400" dirty="0" smtClean="0"/>
+              <a:t>04</a:t>
+            </a:r>
+            <a:endParaRPr lang="en-US" sz="1400" dirty="0"/>
+          </a:p>
+        </p:txBody>
+      </p:sp>
+      <p:sp>
+        <p:nvSpPr>
+          <p:cNvPr id="8" name="Hexagon 7"/>
+          <p:cNvSpPr/>
+          <p:nvPr/>
+        </p:nvSpPr>
+        <p:spPr>
+          <a:xfrm>
+            <a:off x="4265612" y="6177017"/>
+            <a:ext cx="533400" cy="466834"/>
+          </a:xfrm>
+          <a:prstGeom prst="hexagon">
+            <a:avLst/>
+          </a:prstGeom>
+        </p:spPr>
+        <p:style>
+          <a:lnRef idx="2">
+            <a:schemeClr val="accent1">
+              <a:shade val="50000"/>
+            </a:schemeClr>
+          </a:lnRef>
+          <a:fillRef idx="1">
+            <a:schemeClr val="accent1"/>
+          </a:fillRef>
+          <a:effectRef idx="0">
+            <a:schemeClr val="accent1"/>
+          </a:effectRef>
+          <a:fontRef idx="minor">
+            <a:schemeClr val="lt1"/>
+          </a:fontRef>
+        </p:style>
+        <p:txBody>
+          <a:bodyPr rtlCol="0" anchor="ctr"/>
+          <a:lstStyle/>
+          <a:p>
+            <a:pPr algn="ctr"/>
+            <a:r>
+              <a:rPr lang="en-US" sz="1400" dirty="0" smtClean="0"/>
+              <a:t>05</a:t>
+            </a:r>
+            <a:endParaRPr lang="en-US" sz="1400" dirty="0"/>
+          </a:p>
+        </p:txBody>
+      </p:sp>
+      <p:sp>
+        <p:nvSpPr>
+          <p:cNvPr id="9" name="Hexagon 8"/>
+          <p:cNvSpPr/>
+          <p:nvPr/>
+        </p:nvSpPr>
+        <p:spPr>
+          <a:xfrm>
+            <a:off x="4749800" y="5916667"/>
+            <a:ext cx="533400" cy="466834"/>
+          </a:xfrm>
+          <a:prstGeom prst="hexagon">
+            <a:avLst/>
+          </a:prstGeom>
+        </p:spPr>
+        <p:style>
+          <a:lnRef idx="2">
+            <a:schemeClr val="accent1">
+              <a:shade val="50000"/>
+            </a:schemeClr>
+          </a:lnRef>
+          <a:fillRef idx="1">
+            <a:schemeClr val="accent1"/>
+          </a:fillRef>
+          <a:effectRef idx="0">
+            <a:schemeClr val="accent1"/>
+          </a:effectRef>
+          <a:fontRef idx="minor">
+            <a:schemeClr val="lt1"/>
+          </a:fontRef>
+        </p:style>
+        <p:txBody>
+          <a:bodyPr rtlCol="0" anchor="ctr"/>
+          <a:lstStyle/>
+          <a:p>
+            <a:pPr algn="ctr"/>
+            <a:r>
+              <a:rPr lang="en-US" sz="1400" dirty="0" smtClean="0"/>
+              <a:t>06</a:t>
+            </a:r>
+            <a:endParaRPr lang="en-US" sz="1400" dirty="0"/>
+          </a:p>
+        </p:txBody>
+      </p:sp>
+      <p:sp>
+        <p:nvSpPr>
+          <p:cNvPr id="10" name="Hexagon 9"/>
+          <p:cNvSpPr/>
+          <p:nvPr/>
+        </p:nvSpPr>
+        <p:spPr>
+          <a:xfrm>
+            <a:off x="5229225" y="6177017"/>
+            <a:ext cx="533400" cy="466834"/>
+          </a:xfrm>
+          <a:prstGeom prst="hexagon">
+            <a:avLst/>
+          </a:prstGeom>
+        </p:spPr>
+        <p:style>
+          <a:lnRef idx="2">
+            <a:schemeClr val="accent1">
+              <a:shade val="50000"/>
+            </a:schemeClr>
+          </a:lnRef>
+          <a:fillRef idx="1">
+            <a:schemeClr val="accent1"/>
+          </a:fillRef>
+          <a:effectRef idx="0">
+            <a:schemeClr val="accent1"/>
+          </a:effectRef>
+          <a:fontRef idx="minor">
+            <a:schemeClr val="lt1"/>
+          </a:fontRef>
+        </p:style>
+        <p:txBody>
+          <a:bodyPr rtlCol="0" anchor="ctr"/>
+          <a:lstStyle/>
+          <a:p>
+            <a:pPr algn="ctr"/>
+            <a:r>
+              <a:rPr lang="en-US" sz="1400" dirty="0" smtClean="0"/>
+              <a:t>07</a:t>
+            </a:r>
+            <a:endParaRPr lang="en-US" sz="1400" dirty="0"/>
           </a:p>
         </p:txBody>
       </p:sp>
@@ -5114,20 +6071,309 @@
       </p:sp>
       <p:sp>
         <p:nvSpPr>
-          <p:cNvPr id="3" name="Content Placeholder 2"/>
-          <p:cNvSpPr>
-            <a:spLocks noGrp="1"/>
-          </p:cNvSpPr>
-          <p:nvPr>
-            <p:ph idx="1"/>
-          </p:nvPr>
-        </p:nvSpPr>
-        <p:spPr/>
-        <p:txBody>
-          <a:bodyPr/>
-          <a:lstStyle/>
-          <a:p>
-            <a:endParaRPr lang="en-US"/>
+          <p:cNvPr id="4" name="Hexagon 3"/>
+          <p:cNvSpPr/>
+          <p:nvPr/>
+        </p:nvSpPr>
+        <p:spPr>
+          <a:xfrm>
+            <a:off x="1830387" y="5916667"/>
+            <a:ext cx="2489200" cy="466834"/>
+          </a:xfrm>
+          <a:prstGeom prst="hexagon">
+            <a:avLst/>
+          </a:prstGeom>
+        </p:spPr>
+        <p:style>
+          <a:lnRef idx="2">
+            <a:schemeClr val="accent1">
+              <a:shade val="50000"/>
+            </a:schemeClr>
+          </a:lnRef>
+          <a:fillRef idx="1">
+            <a:schemeClr val="accent1"/>
+          </a:fillRef>
+          <a:effectRef idx="0">
+            <a:schemeClr val="accent1"/>
+          </a:effectRef>
+          <a:fontRef idx="minor">
+            <a:schemeClr val="lt1"/>
+          </a:fontRef>
+        </p:style>
+        <p:txBody>
+          <a:bodyPr rtlCol="0" anchor="ctr"/>
+          <a:lstStyle/>
+          <a:p>
+            <a:pPr algn="ctr"/>
+            <a:r>
+              <a:rPr lang="en-US" sz="1600" dirty="0"/>
+              <a:t>Plan ADF</a:t>
+            </a:r>
+            <a:endParaRPr lang="en-US" sz="1600" dirty="0"/>
+          </a:p>
+        </p:txBody>
+      </p:sp>
+      <p:sp>
+        <p:nvSpPr>
+          <p:cNvPr id="5" name="Hexagon 4"/>
+          <p:cNvSpPr/>
+          <p:nvPr/>
+        </p:nvSpPr>
+        <p:spPr>
+          <a:xfrm>
+            <a:off x="347663" y="6132567"/>
+            <a:ext cx="533400" cy="466834"/>
+          </a:xfrm>
+          <a:prstGeom prst="hexagon">
+            <a:avLst/>
+          </a:prstGeom>
+        </p:spPr>
+        <p:style>
+          <a:lnRef idx="2">
+            <a:schemeClr val="accent1">
+              <a:shade val="50000"/>
+            </a:schemeClr>
+          </a:lnRef>
+          <a:fillRef idx="1">
+            <a:schemeClr val="accent1"/>
+          </a:fillRef>
+          <a:effectRef idx="0">
+            <a:schemeClr val="accent1"/>
+          </a:effectRef>
+          <a:fontRef idx="minor">
+            <a:schemeClr val="lt1"/>
+          </a:fontRef>
+        </p:style>
+        <p:txBody>
+          <a:bodyPr rtlCol="0" anchor="ctr"/>
+          <a:lstStyle/>
+          <a:p>
+            <a:pPr algn="ctr"/>
+            <a:r>
+              <a:rPr lang="en-US" sz="1400" dirty="0" smtClean="0"/>
+              <a:t>01</a:t>
+            </a:r>
+            <a:endParaRPr lang="en-US" sz="1400" dirty="0"/>
+          </a:p>
+        </p:txBody>
+      </p:sp>
+      <p:sp>
+        <p:nvSpPr>
+          <p:cNvPr id="6" name="Hexagon 5"/>
+          <p:cNvSpPr/>
+          <p:nvPr/>
+        </p:nvSpPr>
+        <p:spPr>
+          <a:xfrm>
+            <a:off x="837803" y="5878567"/>
+            <a:ext cx="533400" cy="466834"/>
+          </a:xfrm>
+          <a:prstGeom prst="hexagon">
+            <a:avLst/>
+          </a:prstGeom>
+        </p:spPr>
+        <p:style>
+          <a:lnRef idx="2">
+            <a:schemeClr val="accent1">
+              <a:shade val="50000"/>
+            </a:schemeClr>
+          </a:lnRef>
+          <a:fillRef idx="1">
+            <a:schemeClr val="accent1"/>
+          </a:fillRef>
+          <a:effectRef idx="0">
+            <a:schemeClr val="accent1"/>
+          </a:effectRef>
+          <a:fontRef idx="minor">
+            <a:schemeClr val="lt1"/>
+          </a:fontRef>
+        </p:style>
+        <p:txBody>
+          <a:bodyPr rtlCol="0" anchor="ctr"/>
+          <a:lstStyle/>
+          <a:p>
+            <a:pPr algn="ctr"/>
+            <a:r>
+              <a:rPr lang="en-US" sz="1400" dirty="0" smtClean="0"/>
+              <a:t>02</a:t>
+            </a:r>
+            <a:endParaRPr lang="en-US" sz="1400" dirty="0"/>
+          </a:p>
+        </p:txBody>
+      </p:sp>
+      <p:sp>
+        <p:nvSpPr>
+          <p:cNvPr id="7" name="Hexagon 6"/>
+          <p:cNvSpPr/>
+          <p:nvPr/>
+        </p:nvSpPr>
+        <p:spPr>
+          <a:xfrm>
+            <a:off x="1321991" y="6150084"/>
+            <a:ext cx="533400" cy="466834"/>
+          </a:xfrm>
+          <a:prstGeom prst="hexagon">
+            <a:avLst/>
+          </a:prstGeom>
+        </p:spPr>
+        <p:style>
+          <a:lnRef idx="2">
+            <a:schemeClr val="accent1">
+              <a:shade val="50000"/>
+            </a:schemeClr>
+          </a:lnRef>
+          <a:fillRef idx="1">
+            <a:schemeClr val="accent1"/>
+          </a:fillRef>
+          <a:effectRef idx="0">
+            <a:schemeClr val="accent1"/>
+          </a:effectRef>
+          <a:fontRef idx="minor">
+            <a:schemeClr val="lt1"/>
+          </a:fontRef>
+        </p:style>
+        <p:txBody>
+          <a:bodyPr rtlCol="0" anchor="ctr"/>
+          <a:lstStyle/>
+          <a:p>
+            <a:pPr algn="ctr"/>
+            <a:r>
+              <a:rPr lang="en-US" sz="1400" dirty="0" smtClean="0"/>
+              <a:t>03</a:t>
+            </a:r>
+            <a:endParaRPr lang="en-US" sz="1400" dirty="0"/>
+          </a:p>
+        </p:txBody>
+      </p:sp>
+      <p:sp>
+        <p:nvSpPr>
+          <p:cNvPr id="8" name="Hexagon 7"/>
+          <p:cNvSpPr/>
+          <p:nvPr/>
+        </p:nvSpPr>
+        <p:spPr>
+          <a:xfrm>
+            <a:off x="4265612" y="6177017"/>
+            <a:ext cx="533400" cy="466834"/>
+          </a:xfrm>
+          <a:prstGeom prst="hexagon">
+            <a:avLst/>
+          </a:prstGeom>
+        </p:spPr>
+        <p:style>
+          <a:lnRef idx="2">
+            <a:schemeClr val="accent1">
+              <a:shade val="50000"/>
+            </a:schemeClr>
+          </a:lnRef>
+          <a:fillRef idx="1">
+            <a:schemeClr val="accent1"/>
+          </a:fillRef>
+          <a:effectRef idx="0">
+            <a:schemeClr val="accent1"/>
+          </a:effectRef>
+          <a:fontRef idx="minor">
+            <a:schemeClr val="lt1"/>
+          </a:fontRef>
+        </p:style>
+        <p:txBody>
+          <a:bodyPr rtlCol="0" anchor="ctr"/>
+          <a:lstStyle/>
+          <a:p>
+            <a:pPr algn="ctr"/>
+            <a:r>
+              <a:rPr lang="en-US" sz="1400" dirty="0" smtClean="0"/>
+              <a:t>05</a:t>
+            </a:r>
+            <a:endParaRPr lang="en-US" sz="1400" dirty="0"/>
+          </a:p>
+        </p:txBody>
+      </p:sp>
+      <p:sp>
+        <p:nvSpPr>
+          <p:cNvPr id="9" name="Hexagon 8"/>
+          <p:cNvSpPr/>
+          <p:nvPr/>
+        </p:nvSpPr>
+        <p:spPr>
+          <a:xfrm>
+            <a:off x="4749800" y="5916667"/>
+            <a:ext cx="533400" cy="466834"/>
+          </a:xfrm>
+          <a:prstGeom prst="hexagon">
+            <a:avLst/>
+          </a:prstGeom>
+        </p:spPr>
+        <p:style>
+          <a:lnRef idx="2">
+            <a:schemeClr val="accent1">
+              <a:shade val="50000"/>
+            </a:schemeClr>
+          </a:lnRef>
+          <a:fillRef idx="1">
+            <a:schemeClr val="accent1"/>
+          </a:fillRef>
+          <a:effectRef idx="0">
+            <a:schemeClr val="accent1"/>
+          </a:effectRef>
+          <a:fontRef idx="minor">
+            <a:schemeClr val="lt1"/>
+          </a:fontRef>
+        </p:style>
+        <p:txBody>
+          <a:bodyPr rtlCol="0" anchor="ctr"/>
+          <a:lstStyle/>
+          <a:p>
+            <a:pPr algn="ctr"/>
+            <a:r>
+              <a:rPr lang="en-US" sz="1400" dirty="0" smtClean="0"/>
+              <a:t>06</a:t>
+            </a:r>
+            <a:endParaRPr lang="en-US" sz="1400" dirty="0"/>
+          </a:p>
+        </p:txBody>
+      </p:sp>
+      <p:sp>
+        <p:nvSpPr>
+          <p:cNvPr id="10" name="Hexagon 9"/>
+          <p:cNvSpPr/>
+          <p:nvPr/>
+        </p:nvSpPr>
+        <p:spPr>
+          <a:xfrm>
+            <a:off x="5229225" y="6177017"/>
+            <a:ext cx="533400" cy="466834"/>
+          </a:xfrm>
+          <a:prstGeom prst="hexagon">
+            <a:avLst/>
+          </a:prstGeom>
+        </p:spPr>
+        <p:style>
+          <a:lnRef idx="2">
+            <a:schemeClr val="accent1">
+              <a:shade val="50000"/>
+            </a:schemeClr>
+          </a:lnRef>
+          <a:fillRef idx="1">
+            <a:schemeClr val="accent1"/>
+          </a:fillRef>
+          <a:effectRef idx="0">
+            <a:schemeClr val="accent1"/>
+          </a:effectRef>
+          <a:fontRef idx="minor">
+            <a:schemeClr val="lt1"/>
+          </a:fontRef>
+        </p:style>
+        <p:txBody>
+          <a:bodyPr rtlCol="0" anchor="ctr"/>
+          <a:lstStyle/>
+          <a:p>
+            <a:pPr algn="ctr"/>
+            <a:r>
+              <a:rPr lang="en-US" sz="1400" dirty="0" smtClean="0"/>
+              <a:t>07</a:t>
+            </a:r>
+            <a:endParaRPr lang="en-US" sz="1400" dirty="0"/>
           </a:p>
         </p:txBody>
       </p:sp>
@@ -5191,20 +6437,309 @@
       </p:sp>
       <p:sp>
         <p:nvSpPr>
-          <p:cNvPr id="3" name="Content Placeholder 2"/>
-          <p:cNvSpPr>
-            <a:spLocks noGrp="1"/>
-          </p:cNvSpPr>
-          <p:nvPr>
-            <p:ph idx="1"/>
-          </p:nvPr>
-        </p:nvSpPr>
-        <p:spPr/>
-        <p:txBody>
-          <a:bodyPr/>
-          <a:lstStyle/>
-          <a:p>
-            <a:endParaRPr lang="en-US"/>
+          <p:cNvPr id="4" name="Hexagon 3"/>
+          <p:cNvSpPr/>
+          <p:nvPr/>
+        </p:nvSpPr>
+        <p:spPr>
+          <a:xfrm>
+            <a:off x="2296319" y="6177017"/>
+            <a:ext cx="2489200" cy="466834"/>
+          </a:xfrm>
+          <a:prstGeom prst="hexagon">
+            <a:avLst/>
+          </a:prstGeom>
+        </p:spPr>
+        <p:style>
+          <a:lnRef idx="2">
+            <a:schemeClr val="accent1">
+              <a:shade val="50000"/>
+            </a:schemeClr>
+          </a:lnRef>
+          <a:fillRef idx="1">
+            <a:schemeClr val="accent1"/>
+          </a:fillRef>
+          <a:effectRef idx="0">
+            <a:schemeClr val="accent1"/>
+          </a:effectRef>
+          <a:fontRef idx="minor">
+            <a:schemeClr val="lt1"/>
+          </a:fontRef>
+        </p:style>
+        <p:txBody>
+          <a:bodyPr rtlCol="0" anchor="ctr"/>
+          <a:lstStyle/>
+          <a:p>
+            <a:pPr algn="ctr"/>
+            <a:r>
+              <a:rPr lang="en-US" sz="1600" dirty="0"/>
+              <a:t>Auto rename</a:t>
+            </a:r>
+            <a:endParaRPr lang="en-US" sz="1600" dirty="0"/>
+          </a:p>
+        </p:txBody>
+      </p:sp>
+      <p:sp>
+        <p:nvSpPr>
+          <p:cNvPr id="5" name="Hexagon 4"/>
+          <p:cNvSpPr/>
+          <p:nvPr/>
+        </p:nvSpPr>
+        <p:spPr>
+          <a:xfrm>
+            <a:off x="347663" y="6132567"/>
+            <a:ext cx="533400" cy="466834"/>
+          </a:xfrm>
+          <a:prstGeom prst="hexagon">
+            <a:avLst/>
+          </a:prstGeom>
+        </p:spPr>
+        <p:style>
+          <a:lnRef idx="2">
+            <a:schemeClr val="accent1">
+              <a:shade val="50000"/>
+            </a:schemeClr>
+          </a:lnRef>
+          <a:fillRef idx="1">
+            <a:schemeClr val="accent1"/>
+          </a:fillRef>
+          <a:effectRef idx="0">
+            <a:schemeClr val="accent1"/>
+          </a:effectRef>
+          <a:fontRef idx="minor">
+            <a:schemeClr val="lt1"/>
+          </a:fontRef>
+        </p:style>
+        <p:txBody>
+          <a:bodyPr rtlCol="0" anchor="ctr"/>
+          <a:lstStyle/>
+          <a:p>
+            <a:pPr algn="ctr"/>
+            <a:r>
+              <a:rPr lang="en-US" sz="1400" dirty="0" smtClean="0"/>
+              <a:t>01</a:t>
+            </a:r>
+            <a:endParaRPr lang="en-US" sz="1400" dirty="0"/>
+          </a:p>
+        </p:txBody>
+      </p:sp>
+      <p:sp>
+        <p:nvSpPr>
+          <p:cNvPr id="6" name="Hexagon 5"/>
+          <p:cNvSpPr/>
+          <p:nvPr/>
+        </p:nvSpPr>
+        <p:spPr>
+          <a:xfrm>
+            <a:off x="837803" y="5878567"/>
+            <a:ext cx="533400" cy="466834"/>
+          </a:xfrm>
+          <a:prstGeom prst="hexagon">
+            <a:avLst/>
+          </a:prstGeom>
+        </p:spPr>
+        <p:style>
+          <a:lnRef idx="2">
+            <a:schemeClr val="accent1">
+              <a:shade val="50000"/>
+            </a:schemeClr>
+          </a:lnRef>
+          <a:fillRef idx="1">
+            <a:schemeClr val="accent1"/>
+          </a:fillRef>
+          <a:effectRef idx="0">
+            <a:schemeClr val="accent1"/>
+          </a:effectRef>
+          <a:fontRef idx="minor">
+            <a:schemeClr val="lt1"/>
+          </a:fontRef>
+        </p:style>
+        <p:txBody>
+          <a:bodyPr rtlCol="0" anchor="ctr"/>
+          <a:lstStyle/>
+          <a:p>
+            <a:pPr algn="ctr"/>
+            <a:r>
+              <a:rPr lang="en-US" sz="1400" dirty="0" smtClean="0"/>
+              <a:t>02</a:t>
+            </a:r>
+            <a:endParaRPr lang="en-US" sz="1400" dirty="0"/>
+          </a:p>
+        </p:txBody>
+      </p:sp>
+      <p:sp>
+        <p:nvSpPr>
+          <p:cNvPr id="7" name="Hexagon 6"/>
+          <p:cNvSpPr/>
+          <p:nvPr/>
+        </p:nvSpPr>
+        <p:spPr>
+          <a:xfrm>
+            <a:off x="1321991" y="6150084"/>
+            <a:ext cx="533400" cy="466834"/>
+          </a:xfrm>
+          <a:prstGeom prst="hexagon">
+            <a:avLst/>
+          </a:prstGeom>
+        </p:spPr>
+        <p:style>
+          <a:lnRef idx="2">
+            <a:schemeClr val="accent1">
+              <a:shade val="50000"/>
+            </a:schemeClr>
+          </a:lnRef>
+          <a:fillRef idx="1">
+            <a:schemeClr val="accent1"/>
+          </a:fillRef>
+          <a:effectRef idx="0">
+            <a:schemeClr val="accent1"/>
+          </a:effectRef>
+          <a:fontRef idx="minor">
+            <a:schemeClr val="lt1"/>
+          </a:fontRef>
+        </p:style>
+        <p:txBody>
+          <a:bodyPr rtlCol="0" anchor="ctr"/>
+          <a:lstStyle/>
+          <a:p>
+            <a:pPr algn="ctr"/>
+            <a:r>
+              <a:rPr lang="en-US" sz="1400" dirty="0" smtClean="0"/>
+              <a:t>03</a:t>
+            </a:r>
+            <a:endParaRPr lang="en-US" sz="1400" dirty="0"/>
+          </a:p>
+        </p:txBody>
+      </p:sp>
+      <p:sp>
+        <p:nvSpPr>
+          <p:cNvPr id="8" name="Hexagon 7"/>
+          <p:cNvSpPr/>
+          <p:nvPr/>
+        </p:nvSpPr>
+        <p:spPr>
+          <a:xfrm>
+            <a:off x="1812131" y="5911959"/>
+            <a:ext cx="533400" cy="466834"/>
+          </a:xfrm>
+          <a:prstGeom prst="hexagon">
+            <a:avLst/>
+          </a:prstGeom>
+        </p:spPr>
+        <p:style>
+          <a:lnRef idx="2">
+            <a:schemeClr val="accent1">
+              <a:shade val="50000"/>
+            </a:schemeClr>
+          </a:lnRef>
+          <a:fillRef idx="1">
+            <a:schemeClr val="accent1"/>
+          </a:fillRef>
+          <a:effectRef idx="0">
+            <a:schemeClr val="accent1"/>
+          </a:effectRef>
+          <a:fontRef idx="minor">
+            <a:schemeClr val="lt1"/>
+          </a:fontRef>
+        </p:style>
+        <p:txBody>
+          <a:bodyPr rtlCol="0" anchor="ctr"/>
+          <a:lstStyle/>
+          <a:p>
+            <a:pPr algn="ctr"/>
+            <a:r>
+              <a:rPr lang="en-US" sz="1400" dirty="0" smtClean="0"/>
+              <a:t>04</a:t>
+            </a:r>
+            <a:endParaRPr lang="en-US" sz="1400" dirty="0"/>
+          </a:p>
+        </p:txBody>
+      </p:sp>
+      <p:sp>
+        <p:nvSpPr>
+          <p:cNvPr id="9" name="Hexagon 8"/>
+          <p:cNvSpPr/>
+          <p:nvPr/>
+        </p:nvSpPr>
+        <p:spPr>
+          <a:xfrm>
+            <a:off x="4749800" y="5916667"/>
+            <a:ext cx="533400" cy="466834"/>
+          </a:xfrm>
+          <a:prstGeom prst="hexagon">
+            <a:avLst/>
+          </a:prstGeom>
+        </p:spPr>
+        <p:style>
+          <a:lnRef idx="2">
+            <a:schemeClr val="accent1">
+              <a:shade val="50000"/>
+            </a:schemeClr>
+          </a:lnRef>
+          <a:fillRef idx="1">
+            <a:schemeClr val="accent1"/>
+          </a:fillRef>
+          <a:effectRef idx="0">
+            <a:schemeClr val="accent1"/>
+          </a:effectRef>
+          <a:fontRef idx="minor">
+            <a:schemeClr val="lt1"/>
+          </a:fontRef>
+        </p:style>
+        <p:txBody>
+          <a:bodyPr rtlCol="0" anchor="ctr"/>
+          <a:lstStyle/>
+          <a:p>
+            <a:pPr algn="ctr"/>
+            <a:r>
+              <a:rPr lang="en-US" sz="1400" dirty="0" smtClean="0"/>
+              <a:t>06</a:t>
+            </a:r>
+            <a:endParaRPr lang="en-US" sz="1400" dirty="0"/>
+          </a:p>
+        </p:txBody>
+      </p:sp>
+      <p:sp>
+        <p:nvSpPr>
+          <p:cNvPr id="10" name="Hexagon 9"/>
+          <p:cNvSpPr/>
+          <p:nvPr/>
+        </p:nvSpPr>
+        <p:spPr>
+          <a:xfrm>
+            <a:off x="5229225" y="6177017"/>
+            <a:ext cx="533400" cy="466834"/>
+          </a:xfrm>
+          <a:prstGeom prst="hexagon">
+            <a:avLst/>
+          </a:prstGeom>
+        </p:spPr>
+        <p:style>
+          <a:lnRef idx="2">
+            <a:schemeClr val="accent1">
+              <a:shade val="50000"/>
+            </a:schemeClr>
+          </a:lnRef>
+          <a:fillRef idx="1">
+            <a:schemeClr val="accent1"/>
+          </a:fillRef>
+          <a:effectRef idx="0">
+            <a:schemeClr val="accent1"/>
+          </a:effectRef>
+          <a:fontRef idx="minor">
+            <a:schemeClr val="lt1"/>
+          </a:fontRef>
+        </p:style>
+        <p:txBody>
+          <a:bodyPr rtlCol="0" anchor="ctr"/>
+          <a:lstStyle/>
+          <a:p>
+            <a:pPr algn="ctr"/>
+            <a:r>
+              <a:rPr lang="en-US" sz="1400" dirty="0" smtClean="0"/>
+              <a:t>07</a:t>
+            </a:r>
+            <a:endParaRPr lang="en-US" sz="1400" dirty="0"/>
           </a:p>
         </p:txBody>
       </p:sp>
@@ -5276,20 +6811,309 @@
       </p:sp>
       <p:sp>
         <p:nvSpPr>
-          <p:cNvPr id="3" name="Content Placeholder 2"/>
-          <p:cNvSpPr>
-            <a:spLocks noGrp="1"/>
-          </p:cNvSpPr>
-          <p:nvPr>
-            <p:ph idx="1"/>
-          </p:nvPr>
-        </p:nvSpPr>
-        <p:spPr/>
-        <p:txBody>
-          <a:bodyPr/>
-          <a:lstStyle/>
-          <a:p>
-            <a:endParaRPr lang="en-US" dirty="0"/>
+          <p:cNvPr id="4" name="Hexagon 3"/>
+          <p:cNvSpPr/>
+          <p:nvPr/>
+        </p:nvSpPr>
+        <p:spPr>
+          <a:xfrm>
+            <a:off x="2786459" y="5911959"/>
+            <a:ext cx="2489200" cy="466834"/>
+          </a:xfrm>
+          <a:prstGeom prst="hexagon">
+            <a:avLst/>
+          </a:prstGeom>
+        </p:spPr>
+        <p:style>
+          <a:lnRef idx="2">
+            <a:schemeClr val="accent1">
+              <a:shade val="50000"/>
+            </a:schemeClr>
+          </a:lnRef>
+          <a:fillRef idx="1">
+            <a:schemeClr val="accent1"/>
+          </a:fillRef>
+          <a:effectRef idx="0">
+            <a:schemeClr val="accent1"/>
+          </a:effectRef>
+          <a:fontRef idx="minor">
+            <a:schemeClr val="lt1"/>
+          </a:fontRef>
+        </p:style>
+        <p:txBody>
+          <a:bodyPr rtlCol="0" anchor="ctr"/>
+          <a:lstStyle/>
+          <a:p>
+            <a:pPr algn="ctr"/>
+            <a:r>
+              <a:rPr lang="en-US" sz="1600" dirty="0"/>
+              <a:t>Combine pdf</a:t>
+            </a:r>
+            <a:endParaRPr lang="en-US" sz="1600" dirty="0"/>
+          </a:p>
+        </p:txBody>
+      </p:sp>
+      <p:sp>
+        <p:nvSpPr>
+          <p:cNvPr id="5" name="Hexagon 4"/>
+          <p:cNvSpPr/>
+          <p:nvPr/>
+        </p:nvSpPr>
+        <p:spPr>
+          <a:xfrm>
+            <a:off x="347663" y="6132567"/>
+            <a:ext cx="533400" cy="466834"/>
+          </a:xfrm>
+          <a:prstGeom prst="hexagon">
+            <a:avLst/>
+          </a:prstGeom>
+        </p:spPr>
+        <p:style>
+          <a:lnRef idx="2">
+            <a:schemeClr val="accent1">
+              <a:shade val="50000"/>
+            </a:schemeClr>
+          </a:lnRef>
+          <a:fillRef idx="1">
+            <a:schemeClr val="accent1"/>
+          </a:fillRef>
+          <a:effectRef idx="0">
+            <a:schemeClr val="accent1"/>
+          </a:effectRef>
+          <a:fontRef idx="minor">
+            <a:schemeClr val="lt1"/>
+          </a:fontRef>
+        </p:style>
+        <p:txBody>
+          <a:bodyPr rtlCol="0" anchor="ctr"/>
+          <a:lstStyle/>
+          <a:p>
+            <a:pPr algn="ctr"/>
+            <a:r>
+              <a:rPr lang="en-US" sz="1400" dirty="0" smtClean="0"/>
+              <a:t>01</a:t>
+            </a:r>
+            <a:endParaRPr lang="en-US" sz="1400" dirty="0"/>
+          </a:p>
+        </p:txBody>
+      </p:sp>
+      <p:sp>
+        <p:nvSpPr>
+          <p:cNvPr id="6" name="Hexagon 5"/>
+          <p:cNvSpPr/>
+          <p:nvPr/>
+        </p:nvSpPr>
+        <p:spPr>
+          <a:xfrm>
+            <a:off x="837803" y="5878567"/>
+            <a:ext cx="533400" cy="466834"/>
+          </a:xfrm>
+          <a:prstGeom prst="hexagon">
+            <a:avLst/>
+          </a:prstGeom>
+        </p:spPr>
+        <p:style>
+          <a:lnRef idx="2">
+            <a:schemeClr val="accent1">
+              <a:shade val="50000"/>
+            </a:schemeClr>
+          </a:lnRef>
+          <a:fillRef idx="1">
+            <a:schemeClr val="accent1"/>
+          </a:fillRef>
+          <a:effectRef idx="0">
+            <a:schemeClr val="accent1"/>
+          </a:effectRef>
+          <a:fontRef idx="minor">
+            <a:schemeClr val="lt1"/>
+          </a:fontRef>
+        </p:style>
+        <p:txBody>
+          <a:bodyPr rtlCol="0" anchor="ctr"/>
+          <a:lstStyle/>
+          <a:p>
+            <a:pPr algn="ctr"/>
+            <a:r>
+              <a:rPr lang="en-US" sz="1400" dirty="0" smtClean="0"/>
+              <a:t>02</a:t>
+            </a:r>
+            <a:endParaRPr lang="en-US" sz="1400" dirty="0"/>
+          </a:p>
+        </p:txBody>
+      </p:sp>
+      <p:sp>
+        <p:nvSpPr>
+          <p:cNvPr id="7" name="Hexagon 6"/>
+          <p:cNvSpPr/>
+          <p:nvPr/>
+        </p:nvSpPr>
+        <p:spPr>
+          <a:xfrm>
+            <a:off x="1321991" y="6150084"/>
+            <a:ext cx="533400" cy="466834"/>
+          </a:xfrm>
+          <a:prstGeom prst="hexagon">
+            <a:avLst/>
+          </a:prstGeom>
+        </p:spPr>
+        <p:style>
+          <a:lnRef idx="2">
+            <a:schemeClr val="accent1">
+              <a:shade val="50000"/>
+            </a:schemeClr>
+          </a:lnRef>
+          <a:fillRef idx="1">
+            <a:schemeClr val="accent1"/>
+          </a:fillRef>
+          <a:effectRef idx="0">
+            <a:schemeClr val="accent1"/>
+          </a:effectRef>
+          <a:fontRef idx="minor">
+            <a:schemeClr val="lt1"/>
+          </a:fontRef>
+        </p:style>
+        <p:txBody>
+          <a:bodyPr rtlCol="0" anchor="ctr"/>
+          <a:lstStyle/>
+          <a:p>
+            <a:pPr algn="ctr"/>
+            <a:r>
+              <a:rPr lang="en-US" sz="1400" dirty="0" smtClean="0"/>
+              <a:t>03</a:t>
+            </a:r>
+            <a:endParaRPr lang="en-US" sz="1400" dirty="0"/>
+          </a:p>
+        </p:txBody>
+      </p:sp>
+      <p:sp>
+        <p:nvSpPr>
+          <p:cNvPr id="8" name="Hexagon 7"/>
+          <p:cNvSpPr/>
+          <p:nvPr/>
+        </p:nvSpPr>
+        <p:spPr>
+          <a:xfrm>
+            <a:off x="1812131" y="5911959"/>
+            <a:ext cx="533400" cy="466834"/>
+          </a:xfrm>
+          <a:prstGeom prst="hexagon">
+            <a:avLst/>
+          </a:prstGeom>
+        </p:spPr>
+        <p:style>
+          <a:lnRef idx="2">
+            <a:schemeClr val="accent1">
+              <a:shade val="50000"/>
+            </a:schemeClr>
+          </a:lnRef>
+          <a:fillRef idx="1">
+            <a:schemeClr val="accent1"/>
+          </a:fillRef>
+          <a:effectRef idx="0">
+            <a:schemeClr val="accent1"/>
+          </a:effectRef>
+          <a:fontRef idx="minor">
+            <a:schemeClr val="lt1"/>
+          </a:fontRef>
+        </p:style>
+        <p:txBody>
+          <a:bodyPr rtlCol="0" anchor="ctr"/>
+          <a:lstStyle/>
+          <a:p>
+            <a:pPr algn="ctr"/>
+            <a:r>
+              <a:rPr lang="en-US" sz="1400" dirty="0" smtClean="0"/>
+              <a:t>04</a:t>
+            </a:r>
+            <a:endParaRPr lang="en-US" sz="1400" dirty="0"/>
+          </a:p>
+        </p:txBody>
+      </p:sp>
+      <p:sp>
+        <p:nvSpPr>
+          <p:cNvPr id="9" name="Hexagon 8"/>
+          <p:cNvSpPr/>
+          <p:nvPr/>
+        </p:nvSpPr>
+        <p:spPr>
+          <a:xfrm>
+            <a:off x="2302271" y="6177017"/>
+            <a:ext cx="533400" cy="466834"/>
+          </a:xfrm>
+          <a:prstGeom prst="hexagon">
+            <a:avLst/>
+          </a:prstGeom>
+        </p:spPr>
+        <p:style>
+          <a:lnRef idx="2">
+            <a:schemeClr val="accent1">
+              <a:shade val="50000"/>
+            </a:schemeClr>
+          </a:lnRef>
+          <a:fillRef idx="1">
+            <a:schemeClr val="accent1"/>
+          </a:fillRef>
+          <a:effectRef idx="0">
+            <a:schemeClr val="accent1"/>
+          </a:effectRef>
+          <a:fontRef idx="minor">
+            <a:schemeClr val="lt1"/>
+          </a:fontRef>
+        </p:style>
+        <p:txBody>
+          <a:bodyPr rtlCol="0" anchor="ctr"/>
+          <a:lstStyle/>
+          <a:p>
+            <a:pPr algn="ctr"/>
+            <a:r>
+              <a:rPr lang="en-US" sz="1400" dirty="0" smtClean="0"/>
+              <a:t>05</a:t>
+            </a:r>
+            <a:endParaRPr lang="en-US" sz="1400" dirty="0"/>
+          </a:p>
+        </p:txBody>
+      </p:sp>
+      <p:sp>
+        <p:nvSpPr>
+          <p:cNvPr id="10" name="Hexagon 9"/>
+          <p:cNvSpPr/>
+          <p:nvPr/>
+        </p:nvSpPr>
+        <p:spPr>
+          <a:xfrm>
+            <a:off x="5229225" y="6177017"/>
+            <a:ext cx="533400" cy="466834"/>
+          </a:xfrm>
+          <a:prstGeom prst="hexagon">
+            <a:avLst/>
+          </a:prstGeom>
+        </p:spPr>
+        <p:style>
+          <a:lnRef idx="2">
+            <a:schemeClr val="accent1">
+              <a:shade val="50000"/>
+            </a:schemeClr>
+          </a:lnRef>
+          <a:fillRef idx="1">
+            <a:schemeClr val="accent1"/>
+          </a:fillRef>
+          <a:effectRef idx="0">
+            <a:schemeClr val="accent1"/>
+          </a:effectRef>
+          <a:fontRef idx="minor">
+            <a:schemeClr val="lt1"/>
+          </a:fontRef>
+        </p:style>
+        <p:txBody>
+          <a:bodyPr rtlCol="0" anchor="ctr"/>
+          <a:lstStyle/>
+          <a:p>
+            <a:pPr algn="ctr"/>
+            <a:r>
+              <a:rPr lang="en-US" sz="1400" dirty="0" smtClean="0"/>
+              <a:t>07</a:t>
+            </a:r>
+            <a:endParaRPr lang="en-US" sz="1400" dirty="0"/>
           </a:p>
         </p:txBody>
       </p:sp>
@@ -5353,20 +7177,309 @@
       </p:sp>
       <p:sp>
         <p:nvSpPr>
-          <p:cNvPr id="3" name="Content Placeholder 2"/>
-          <p:cNvSpPr>
-            <a:spLocks noGrp="1"/>
-          </p:cNvSpPr>
-          <p:nvPr>
-            <p:ph idx="1"/>
-          </p:nvPr>
-        </p:nvSpPr>
-        <p:spPr/>
-        <p:txBody>
-          <a:bodyPr/>
-          <a:lstStyle/>
-          <a:p>
-            <a:endParaRPr lang="en-US" dirty="0"/>
+          <p:cNvPr id="4" name="Hexagon 3"/>
+          <p:cNvSpPr/>
+          <p:nvPr/>
+        </p:nvSpPr>
+        <p:spPr>
+          <a:xfrm>
+            <a:off x="3276599" y="6177017"/>
+            <a:ext cx="2489200" cy="466834"/>
+          </a:xfrm>
+          <a:prstGeom prst="hexagon">
+            <a:avLst/>
+          </a:prstGeom>
+        </p:spPr>
+        <p:style>
+          <a:lnRef idx="2">
+            <a:schemeClr val="accent1">
+              <a:shade val="50000"/>
+            </a:schemeClr>
+          </a:lnRef>
+          <a:fillRef idx="1">
+            <a:schemeClr val="accent1"/>
+          </a:fillRef>
+          <a:effectRef idx="0">
+            <a:schemeClr val="accent1"/>
+          </a:effectRef>
+          <a:fontRef idx="minor">
+            <a:schemeClr val="lt1"/>
+          </a:fontRef>
+        </p:style>
+        <p:txBody>
+          <a:bodyPr rtlCol="0" anchor="ctr"/>
+          <a:lstStyle/>
+          <a:p>
+            <a:pPr algn="ctr"/>
+            <a:r>
+              <a:rPr lang="en-US" sz="1600" dirty="0"/>
+              <a:t>Waste Management</a:t>
+            </a:r>
+            <a:endParaRPr lang="en-US" sz="1600" dirty="0"/>
+          </a:p>
+        </p:txBody>
+      </p:sp>
+      <p:sp>
+        <p:nvSpPr>
+          <p:cNvPr id="5" name="Hexagon 4"/>
+          <p:cNvSpPr/>
+          <p:nvPr/>
+        </p:nvSpPr>
+        <p:spPr>
+          <a:xfrm>
+            <a:off x="347663" y="6132567"/>
+            <a:ext cx="533400" cy="466834"/>
+          </a:xfrm>
+          <a:prstGeom prst="hexagon">
+            <a:avLst/>
+          </a:prstGeom>
+        </p:spPr>
+        <p:style>
+          <a:lnRef idx="2">
+            <a:schemeClr val="accent1">
+              <a:shade val="50000"/>
+            </a:schemeClr>
+          </a:lnRef>
+          <a:fillRef idx="1">
+            <a:schemeClr val="accent1"/>
+          </a:fillRef>
+          <a:effectRef idx="0">
+            <a:schemeClr val="accent1"/>
+          </a:effectRef>
+          <a:fontRef idx="minor">
+            <a:schemeClr val="lt1"/>
+          </a:fontRef>
+        </p:style>
+        <p:txBody>
+          <a:bodyPr rtlCol="0" anchor="ctr"/>
+          <a:lstStyle/>
+          <a:p>
+            <a:pPr algn="ctr"/>
+            <a:r>
+              <a:rPr lang="en-US" sz="1400" dirty="0" smtClean="0"/>
+              <a:t>01</a:t>
+            </a:r>
+            <a:endParaRPr lang="en-US" sz="1400" dirty="0"/>
+          </a:p>
+        </p:txBody>
+      </p:sp>
+      <p:sp>
+        <p:nvSpPr>
+          <p:cNvPr id="6" name="Hexagon 5"/>
+          <p:cNvSpPr/>
+          <p:nvPr/>
+        </p:nvSpPr>
+        <p:spPr>
+          <a:xfrm>
+            <a:off x="837803" y="5878567"/>
+            <a:ext cx="533400" cy="466834"/>
+          </a:xfrm>
+          <a:prstGeom prst="hexagon">
+            <a:avLst/>
+          </a:prstGeom>
+        </p:spPr>
+        <p:style>
+          <a:lnRef idx="2">
+            <a:schemeClr val="accent1">
+              <a:shade val="50000"/>
+            </a:schemeClr>
+          </a:lnRef>
+          <a:fillRef idx="1">
+            <a:schemeClr val="accent1"/>
+          </a:fillRef>
+          <a:effectRef idx="0">
+            <a:schemeClr val="accent1"/>
+          </a:effectRef>
+          <a:fontRef idx="minor">
+            <a:schemeClr val="lt1"/>
+          </a:fontRef>
+        </p:style>
+        <p:txBody>
+          <a:bodyPr rtlCol="0" anchor="ctr"/>
+          <a:lstStyle/>
+          <a:p>
+            <a:pPr algn="ctr"/>
+            <a:r>
+              <a:rPr lang="en-US" sz="1400" dirty="0" smtClean="0"/>
+              <a:t>02</a:t>
+            </a:r>
+            <a:endParaRPr lang="en-US" sz="1400" dirty="0"/>
+          </a:p>
+        </p:txBody>
+      </p:sp>
+      <p:sp>
+        <p:nvSpPr>
+          <p:cNvPr id="7" name="Hexagon 6"/>
+          <p:cNvSpPr/>
+          <p:nvPr/>
+        </p:nvSpPr>
+        <p:spPr>
+          <a:xfrm>
+            <a:off x="1321991" y="6150084"/>
+            <a:ext cx="533400" cy="466834"/>
+          </a:xfrm>
+          <a:prstGeom prst="hexagon">
+            <a:avLst/>
+          </a:prstGeom>
+        </p:spPr>
+        <p:style>
+          <a:lnRef idx="2">
+            <a:schemeClr val="accent1">
+              <a:shade val="50000"/>
+            </a:schemeClr>
+          </a:lnRef>
+          <a:fillRef idx="1">
+            <a:schemeClr val="accent1"/>
+          </a:fillRef>
+          <a:effectRef idx="0">
+            <a:schemeClr val="accent1"/>
+          </a:effectRef>
+          <a:fontRef idx="minor">
+            <a:schemeClr val="lt1"/>
+          </a:fontRef>
+        </p:style>
+        <p:txBody>
+          <a:bodyPr rtlCol="0" anchor="ctr"/>
+          <a:lstStyle/>
+          <a:p>
+            <a:pPr algn="ctr"/>
+            <a:r>
+              <a:rPr lang="en-US" sz="1400" dirty="0" smtClean="0"/>
+              <a:t>03</a:t>
+            </a:r>
+            <a:endParaRPr lang="en-US" sz="1400" dirty="0"/>
+          </a:p>
+        </p:txBody>
+      </p:sp>
+      <p:sp>
+        <p:nvSpPr>
+          <p:cNvPr id="8" name="Hexagon 7"/>
+          <p:cNvSpPr/>
+          <p:nvPr/>
+        </p:nvSpPr>
+        <p:spPr>
+          <a:xfrm>
+            <a:off x="1812131" y="5911959"/>
+            <a:ext cx="533400" cy="466834"/>
+          </a:xfrm>
+          <a:prstGeom prst="hexagon">
+            <a:avLst/>
+          </a:prstGeom>
+        </p:spPr>
+        <p:style>
+          <a:lnRef idx="2">
+            <a:schemeClr val="accent1">
+              <a:shade val="50000"/>
+            </a:schemeClr>
+          </a:lnRef>
+          <a:fillRef idx="1">
+            <a:schemeClr val="accent1"/>
+          </a:fillRef>
+          <a:effectRef idx="0">
+            <a:schemeClr val="accent1"/>
+          </a:effectRef>
+          <a:fontRef idx="minor">
+            <a:schemeClr val="lt1"/>
+          </a:fontRef>
+        </p:style>
+        <p:txBody>
+          <a:bodyPr rtlCol="0" anchor="ctr"/>
+          <a:lstStyle/>
+          <a:p>
+            <a:pPr algn="ctr"/>
+            <a:r>
+              <a:rPr lang="en-US" sz="1400" dirty="0" smtClean="0"/>
+              <a:t>04</a:t>
+            </a:r>
+            <a:endParaRPr lang="en-US" sz="1400" dirty="0"/>
+          </a:p>
+        </p:txBody>
+      </p:sp>
+      <p:sp>
+        <p:nvSpPr>
+          <p:cNvPr id="9" name="Hexagon 8"/>
+          <p:cNvSpPr/>
+          <p:nvPr/>
+        </p:nvSpPr>
+        <p:spPr>
+          <a:xfrm>
+            <a:off x="2302271" y="6177017"/>
+            <a:ext cx="533400" cy="466834"/>
+          </a:xfrm>
+          <a:prstGeom prst="hexagon">
+            <a:avLst/>
+          </a:prstGeom>
+        </p:spPr>
+        <p:style>
+          <a:lnRef idx="2">
+            <a:schemeClr val="accent1">
+              <a:shade val="50000"/>
+            </a:schemeClr>
+          </a:lnRef>
+          <a:fillRef idx="1">
+            <a:schemeClr val="accent1"/>
+          </a:fillRef>
+          <a:effectRef idx="0">
+            <a:schemeClr val="accent1"/>
+          </a:effectRef>
+          <a:fontRef idx="minor">
+            <a:schemeClr val="lt1"/>
+          </a:fontRef>
+        </p:style>
+        <p:txBody>
+          <a:bodyPr rtlCol="0" anchor="ctr"/>
+          <a:lstStyle/>
+          <a:p>
+            <a:pPr algn="ctr"/>
+            <a:r>
+              <a:rPr lang="en-US" sz="1400" dirty="0" smtClean="0"/>
+              <a:t>05</a:t>
+            </a:r>
+            <a:endParaRPr lang="en-US" sz="1400" dirty="0"/>
+          </a:p>
+        </p:txBody>
+      </p:sp>
+      <p:sp>
+        <p:nvSpPr>
+          <p:cNvPr id="10" name="Hexagon 9"/>
+          <p:cNvSpPr/>
+          <p:nvPr/>
+        </p:nvSpPr>
+        <p:spPr>
+          <a:xfrm>
+            <a:off x="2786459" y="5911959"/>
+            <a:ext cx="533400" cy="466834"/>
+          </a:xfrm>
+          <a:prstGeom prst="hexagon">
+            <a:avLst/>
+          </a:prstGeom>
+        </p:spPr>
+        <p:style>
+          <a:lnRef idx="2">
+            <a:schemeClr val="accent1">
+              <a:shade val="50000"/>
+            </a:schemeClr>
+          </a:lnRef>
+          <a:fillRef idx="1">
+            <a:schemeClr val="accent1"/>
+          </a:fillRef>
+          <a:effectRef idx="0">
+            <a:schemeClr val="accent1"/>
+          </a:effectRef>
+          <a:fontRef idx="minor">
+            <a:schemeClr val="lt1"/>
+          </a:fontRef>
+        </p:style>
+        <p:txBody>
+          <a:bodyPr rtlCol="0" anchor="ctr"/>
+          <a:lstStyle/>
+          <a:p>
+            <a:pPr algn="ctr"/>
+            <a:r>
+              <a:rPr lang="en-US" sz="1400" dirty="0" smtClean="0"/>
+              <a:t>06</a:t>
+            </a:r>
+            <a:endParaRPr lang="en-US" sz="1400" dirty="0"/>
           </a:p>
         </p:txBody>
       </p:sp>
